--- a/Faisal Shahid - MDR July 2023.pptx
+++ b/Faisal Shahid - MDR July 2023.pptx
@@ -5,10 +5,10 @@
     <p:sldMasterId id="2147483660" r:id="rId1"/>
   </p:sldMasterIdLst>
   <p:notesMasterIdLst>
-    <p:notesMasterId r:id="rId24"/>
+    <p:notesMasterId r:id="rId23"/>
   </p:notesMasterIdLst>
   <p:handoutMasterIdLst>
-    <p:handoutMasterId r:id="rId25"/>
+    <p:handoutMasterId r:id="rId24"/>
   </p:handoutMasterIdLst>
   <p:sldIdLst>
     <p:sldId id="256" r:id="rId2"/>
@@ -30,9 +30,8 @@
     <p:sldId id="542" r:id="rId18"/>
     <p:sldId id="543" r:id="rId19"/>
     <p:sldId id="547" r:id="rId20"/>
-    <p:sldId id="544" r:id="rId21"/>
-    <p:sldId id="534" r:id="rId22"/>
-    <p:sldId id="528" r:id="rId23"/>
+    <p:sldId id="534" r:id="rId21"/>
+    <p:sldId id="528" r:id="rId22"/>
   </p:sldIdLst>
   <p:sldSz cx="12192000" cy="6858000"/>
   <p:notesSz cx="6858000" cy="9144000"/>
@@ -10441,7 +10440,7 @@
             </a:pPr>
             <a:r>
               <a:rPr lang="en-US" sz="2800" dirty="0"/>
-              <a:t>Causes: Glucose Metabolism, Insulin Resistance or Weight Gain</a:t>
+              <a:t>Causes: Side Effects on Glucose Metabolism, Insulin Resistance or Weight Gain</a:t>
             </a:r>
           </a:p>
           <a:p>
@@ -10616,7 +10615,7 @@
             </a:pPr>
             <a:r>
               <a:rPr lang="en-US" sz="2800" dirty="0"/>
-              <a:t>Causes: Insulin Production or Glucose Metabolism</a:t>
+              <a:t>Causes: Side Effects on Insulin Production or Glucose Metabolism</a:t>
             </a:r>
           </a:p>
           <a:p>
@@ -11428,6 +11427,28 @@
             </a:r>
           </a:p>
           <a:p>
+            <a:pPr algn="just">
+              <a:lnSpc>
+                <a:spcPct val="150000"/>
+              </a:lnSpc>
+            </a:pPr>
+            <a:r>
+              <a:rPr lang="en-US" sz="2800" dirty="0"/>
+              <a:t>The chi-squared test is a statistical tool used to determine if there's a significant relationship between two categorical variables. </a:t>
+            </a:r>
+          </a:p>
+          <a:p>
+            <a:pPr algn="just">
+              <a:lnSpc>
+                <a:spcPct val="150000"/>
+              </a:lnSpc>
+            </a:pPr>
+            <a:r>
+              <a:rPr lang="en-US" sz="2800" dirty="0"/>
+              <a:t>The test involves comparing the expected frequencies of observations in different categories with the actual observed frequencies.</a:t>
+            </a:r>
+          </a:p>
+          <a:p>
             <a:pPr>
               <a:lnSpc>
                 <a:spcPct val="150000"/>
@@ -11435,24 +11456,8 @@
             </a:pPr>
             <a:r>
               <a:rPr lang="en-US" sz="2800" dirty="0"/>
-              <a:t>The chi-squared test helps you determine if there's a significant association or pattern between two categorical things.</a:t>
-            </a:r>
-          </a:p>
-          <a:p>
-            <a:pPr>
-              <a:lnSpc>
-                <a:spcPct val="150000"/>
-              </a:lnSpc>
-            </a:pPr>
-            <a:r>
-              <a:rPr lang="en-US" sz="2800" dirty="0"/>
-              <a:t>Returns all features with </a:t>
-            </a:r>
-            <a:r>
-              <a:rPr lang="en-US" sz="2800" dirty="0" err="1"/>
-              <a:t>importances</a:t>
-            </a:r>
-            <a:endParaRPr lang="en-US" sz="2800" dirty="0"/>
+              <a:t>Returns all features with importance</a:t>
+            </a:r>
           </a:p>
         </p:txBody>
       </p:sp>
@@ -12320,41 +12325,6 @@
           </a:p>
         </p:txBody>
       </p:sp>
-      <p:sp>
-        <p:nvSpPr>
-          <p:cNvPr id="7" name="TextBox 6">
-            <a:extLst>
-              <a:ext uri="{FF2B5EF4-FFF2-40B4-BE49-F238E27FC236}">
-                <a16:creationId xmlns:a16="http://schemas.microsoft.com/office/drawing/2014/main" id="{A5099D94-017E-41A2-88AC-40650B6F79BE}"/>
-              </a:ext>
-            </a:extLst>
-          </p:cNvPr>
-          <p:cNvSpPr txBox="1"/>
-          <p:nvPr/>
-        </p:nvSpPr>
-        <p:spPr>
-          <a:xfrm>
-            <a:off x="887767" y="5115081"/>
-            <a:ext cx="9419208" cy="430887"/>
-          </a:xfrm>
-          <a:prstGeom prst="rect">
-            <a:avLst/>
-          </a:prstGeom>
-          <a:noFill/>
-        </p:spPr>
-        <p:txBody>
-          <a:bodyPr wrap="square" rtlCol="0">
-            <a:spAutoFit/>
-          </a:bodyPr>
-          <a:lstStyle/>
-          <a:p>
-            <a:r>
-              <a:rPr lang="en-US" sz="2200" dirty="0"/>
-              <a:t>N is the number of features</a:t>
-            </a:r>
-          </a:p>
-        </p:txBody>
-      </p:sp>
       <p:graphicFrame>
         <p:nvGraphicFramePr>
           <p:cNvPr id="8" name="Content Placeholder 3">
@@ -12370,13 +12340,13 @@
           <p:nvPr>
             <p:extLst>
               <p:ext uri="{D42A27DB-BD31-4B8C-83A1-F6EECF244321}">
-                <p14:modId xmlns:p14="http://schemas.microsoft.com/office/powerpoint/2010/main" val="763271071"/>
+                <p14:modId xmlns:p14="http://schemas.microsoft.com/office/powerpoint/2010/main" val="997472060"/>
               </p:ext>
             </p:extLst>
           </p:nvPr>
         </p:nvGraphicFramePr>
         <p:xfrm>
-          <a:off x="544498" y="2562874"/>
+          <a:off x="461638" y="3459277"/>
           <a:ext cx="11333823" cy="1854200"/>
         </p:xfrm>
         <a:graphic>
@@ -13750,177 +13720,6 @@
           <p:cNvPr id="2" name="Content Placeholder 1">
             <a:extLst>
               <a:ext uri="{FF2B5EF4-FFF2-40B4-BE49-F238E27FC236}">
-                <a16:creationId xmlns:a16="http://schemas.microsoft.com/office/drawing/2014/main" id="{6021E408-3D47-41CE-9365-69F7CBA79981}"/>
-              </a:ext>
-            </a:extLst>
-          </p:cNvPr>
-          <p:cNvSpPr>
-            <a:spLocks noGrp="1"/>
-          </p:cNvSpPr>
-          <p:nvPr>
-            <p:ph idx="1"/>
-          </p:nvPr>
-        </p:nvSpPr>
-        <p:spPr/>
-        <p:txBody>
-          <a:bodyPr/>
-          <a:lstStyle/>
-          <a:p>
-            <a:pPr algn="just">
-              <a:lnSpc>
-                <a:spcPct val="150000"/>
-              </a:lnSpc>
-            </a:pPr>
-            <a:r>
-              <a:rPr lang="en-US" sz="2800" dirty="0"/>
-              <a:t>The study excluded patients if they were diagnosed with kidney failure or cancer, had type 1 diabetes, had gestational diabetes, had incomplete information on diagnoses of T2DM and had incomplete information of potential covariates.</a:t>
-            </a:r>
-          </a:p>
-          <a:p>
-            <a:pPr>
-              <a:lnSpc>
-                <a:spcPct val="150000"/>
-              </a:lnSpc>
-            </a:pPr>
-            <a:r>
-              <a:rPr lang="en-US" sz="2800" dirty="0"/>
-              <a:t>Now incorporating metrics that have been referenced in the study.</a:t>
-            </a:r>
-          </a:p>
-          <a:p>
-            <a:pPr>
-              <a:lnSpc>
-                <a:spcPct val="150000"/>
-              </a:lnSpc>
-            </a:pPr>
-            <a:r>
-              <a:rPr lang="en-US" sz="2800" dirty="0"/>
-              <a:t>Study includes demographics, vitals, diagnosis, lab tests, family history</a:t>
-            </a:r>
-          </a:p>
-        </p:txBody>
-      </p:sp>
-      <p:sp>
-        <p:nvSpPr>
-          <p:cNvPr id="3" name="Date Placeholder 2">
-            <a:extLst>
-              <a:ext uri="{FF2B5EF4-FFF2-40B4-BE49-F238E27FC236}">
-                <a16:creationId xmlns:a16="http://schemas.microsoft.com/office/drawing/2014/main" id="{C2717D2C-62BA-4C85-946D-8F39DD7D2460}"/>
-              </a:ext>
-            </a:extLst>
-          </p:cNvPr>
-          <p:cNvSpPr>
-            <a:spLocks noGrp="1"/>
-          </p:cNvSpPr>
-          <p:nvPr>
-            <p:ph type="dt" sz="half" idx="10"/>
-          </p:nvPr>
-        </p:nvSpPr>
-        <p:spPr/>
-        <p:txBody>
-          <a:bodyPr/>
-          <a:lstStyle/>
-          <a:p>
-            <a:r>
-              <a:rPr lang="en-US"/>
-              <a:t>8/10/2023</a:t>
-            </a:r>
-          </a:p>
-        </p:txBody>
-      </p:sp>
-      <p:sp>
-        <p:nvSpPr>
-          <p:cNvPr id="4" name="Slide Number Placeholder 3">
-            <a:extLst>
-              <a:ext uri="{FF2B5EF4-FFF2-40B4-BE49-F238E27FC236}">
-                <a16:creationId xmlns:a16="http://schemas.microsoft.com/office/drawing/2014/main" id="{F7371C2F-B023-40C0-B643-EEC9179D6EC3}"/>
-              </a:ext>
-            </a:extLst>
-          </p:cNvPr>
-          <p:cNvSpPr>
-            <a:spLocks noGrp="1"/>
-          </p:cNvSpPr>
-          <p:nvPr>
-            <p:ph type="sldNum" sz="quarter" idx="12"/>
-          </p:nvPr>
-        </p:nvSpPr>
-        <p:spPr/>
-        <p:txBody>
-          <a:bodyPr/>
-          <a:lstStyle/>
-          <a:p>
-            <a:fld id="{88279435-30EF-C241-87D1-8D13B984C0EB}" type="slidenum">
-              <a:rPr lang="en-US" smtClean="0"/>
-              <a:pPr/>
-              <a:t>20</a:t>
-            </a:fld>
-            <a:endParaRPr lang="en-US"/>
-          </a:p>
-        </p:txBody>
-      </p:sp>
-      <p:sp>
-        <p:nvSpPr>
-          <p:cNvPr id="5" name="Title 4">
-            <a:extLst>
-              <a:ext uri="{FF2B5EF4-FFF2-40B4-BE49-F238E27FC236}">
-                <a16:creationId xmlns:a16="http://schemas.microsoft.com/office/drawing/2014/main" id="{E8C0C035-2501-435D-BFEA-19EF792E6415}"/>
-              </a:ext>
-            </a:extLst>
-          </p:cNvPr>
-          <p:cNvSpPr>
-            <a:spLocks noGrp="1"/>
-          </p:cNvSpPr>
-          <p:nvPr>
-            <p:ph type="title"/>
-          </p:nvPr>
-        </p:nvSpPr>
-        <p:spPr/>
-        <p:txBody>
-          <a:bodyPr/>
-          <a:lstStyle/>
-          <a:p>
-            <a:r>
-              <a:rPr lang="en-US" dirty="0"/>
-              <a:t>Comparison with The Henan Rural Cohort Study</a:t>
-            </a:r>
-          </a:p>
-        </p:txBody>
-      </p:sp>
-    </p:spTree>
-    <p:extLst>
-      <p:ext uri="{BB962C8B-B14F-4D97-AF65-F5344CB8AC3E}">
-        <p14:creationId xmlns:p14="http://schemas.microsoft.com/office/powerpoint/2010/main" val="3961180597"/>
-      </p:ext>
-    </p:extLst>
-  </p:cSld>
-  <p:clrMapOvr>
-    <a:masterClrMapping/>
-  </p:clrMapOvr>
-</p:sld>
-</file>
-
-<file path=ppt/slides/slide21.xml><?xml version="1.0" encoding="utf-8"?>
-<p:sld xmlns:a="http://schemas.openxmlformats.org/drawingml/2006/main" xmlns:r="http://schemas.openxmlformats.org/officeDocument/2006/relationships" xmlns:p="http://schemas.openxmlformats.org/presentationml/2006/main">
-  <p:cSld>
-    <p:spTree>
-      <p:nvGrpSpPr>
-        <p:cNvPr id="1" name=""/>
-        <p:cNvGrpSpPr/>
-        <p:nvPr/>
-      </p:nvGrpSpPr>
-      <p:grpSpPr>
-        <a:xfrm>
-          <a:off x="0" y="0"/>
-          <a:ext cx="0" cy="0"/>
-          <a:chOff x="0" y="0"/>
-          <a:chExt cx="0" cy="0"/>
-        </a:xfrm>
-      </p:grpSpPr>
-      <p:sp>
-        <p:nvSpPr>
-          <p:cNvPr id="2" name="Content Placeholder 1">
-            <a:extLst>
-              <a:ext uri="{FF2B5EF4-FFF2-40B4-BE49-F238E27FC236}">
                 <a16:creationId xmlns:a16="http://schemas.microsoft.com/office/drawing/2014/main" id="{1E8B6798-9094-47B8-A086-BCBF41E27516}"/>
               </a:ext>
             </a:extLst>
@@ -14040,7 +13839,7 @@
             <a:fld id="{88279435-30EF-C241-87D1-8D13B984C0EB}" type="slidenum">
               <a:rPr lang="en-US" smtClean="0"/>
               <a:pPr/>
-              <a:t>21</a:t>
+              <a:t>20</a:t>
             </a:fld>
             <a:endParaRPr lang="en-US"/>
           </a:p>
@@ -14087,7 +13886,7 @@
 </p:sld>
 </file>
 
-<file path=ppt/slides/slide22.xml><?xml version="1.0" encoding="utf-8"?>
+<file path=ppt/slides/slide21.xml><?xml version="1.0" encoding="utf-8"?>
 <p:sld xmlns:a="http://schemas.openxmlformats.org/drawingml/2006/main" xmlns:r="http://schemas.openxmlformats.org/officeDocument/2006/relationships" xmlns:p="http://schemas.openxmlformats.org/presentationml/2006/main">
   <p:cSld>
     <p:spTree>
@@ -14193,7 +13992,7 @@
           <a:p>
             <a:fld id="{BCD31FF8-ED74-4814-BEC8-373D79CF1B66}" type="slidenum">
               <a:rPr lang="en-US" smtClean="0"/>
-              <a:t>22</a:t>
+              <a:t>21</a:t>
             </a:fld>
             <a:endParaRPr lang="en-US"/>
           </a:p>
